--- a/URLfarm_발표ppt_팀싱가포르.pptx
+++ b/URLfarm_발표ppt_팀싱가포르.pptx
@@ -5,7 +5,7 @@
     <p:sldMasterId id="2147483648" r:id="rId1"/>
   </p:sldMasterIdLst>
   <p:notesMasterIdLst>
-    <p:notesMasterId r:id="rId20"/>
+    <p:notesMasterId r:id="rId22"/>
   </p:notesMasterIdLst>
   <p:sldIdLst>
     <p:sldId id="256" r:id="rId2"/>
@@ -15,9 +15,9 @@
     <p:sldId id="262" r:id="rId6"/>
     <p:sldId id="270" r:id="rId7"/>
     <p:sldId id="283" r:id="rId8"/>
-    <p:sldId id="284" r:id="rId9"/>
-    <p:sldId id="285" r:id="rId10"/>
-    <p:sldId id="271" r:id="rId11"/>
+    <p:sldId id="271" r:id="rId9"/>
+    <p:sldId id="284" r:id="rId10"/>
+    <p:sldId id="285" r:id="rId11"/>
     <p:sldId id="282" r:id="rId12"/>
     <p:sldId id="266" r:id="rId13"/>
     <p:sldId id="272" r:id="rId14"/>
@@ -25,7 +25,9 @@
     <p:sldId id="276" r:id="rId16"/>
     <p:sldId id="286" r:id="rId17"/>
     <p:sldId id="287" r:id="rId18"/>
-    <p:sldId id="269" r:id="rId19"/>
+    <p:sldId id="288" r:id="rId19"/>
+    <p:sldId id="289" r:id="rId20"/>
+    <p:sldId id="269" r:id="rId21"/>
   </p:sldIdLst>
   <p:sldSz cx="18288000" cy="10287000"/>
   <p:notesSz cx="10287000" cy="18288000"/>
@@ -126,7 +128,7 @@
   </p:defaultTextStyle>
   <p:extLst>
     <p:ext uri="{EFAFB233-063F-42B5-8137-9DF3F51BA10A}">
-      <p15:sldGuideLst xmlns="" xmlns:p15="http://schemas.microsoft.com/office/powerpoint/2012/main">
+      <p15:sldGuideLst xmlns:p15="http://schemas.microsoft.com/office/powerpoint/2012/main">
         <p15:guide id="1" orient="horz" pos="2160">
           <p15:clr>
             <a:srgbClr val="A4A3A4"/>
@@ -225,7 +227,7 @@
           <a:p>
             <a:fld id="{619F8932-93BC-4B94-AD01-2E9E6A610D54}" type="datetimeFigureOut">
               <a:rPr lang="ko-KR" altLang="en-US" smtClean="0"/>
-              <a:t>2021-12-12</a:t>
+              <a:t>2021. 12. 17.</a:t>
             </a:fld>
             <a:endParaRPr lang="ko-KR" altLang="en-US"/>
           </a:p>
@@ -557,7 +559,7 @@
           <a:p>
             <a:fld id="{3DD7F4F8-1E03-435E-B942-80FD7E4BD19D}" type="slidenum">
               <a:rPr lang="ko-KR" altLang="en-US" smtClean="0"/>
-              <a:t>10</a:t>
+              <a:t>8</a:t>
             </a:fld>
             <a:endParaRPr lang="ko-KR" altLang="en-US"/>
           </a:p>
@@ -755,7 +757,7 @@
           <a:p>
             <a:fld id="{F8166F1F-CE9B-4651-A6AA-CD717754106B}" type="datetimeFigureOut">
               <a:rPr lang="en-US" smtClean="0"/>
-              <a:t>12/12/2021</a:t>
+              <a:t>12/17/21</a:t>
             </a:fld>
             <a:endParaRPr lang="en-US"/>
           </a:p>
@@ -918,7 +920,7 @@
           <a:p>
             <a:fld id="{A76116CE-C4A3-4A05-B2D7-7C2E9A889C0F}" type="datetimeFigureOut">
               <a:rPr lang="en-US" smtClean="0"/>
-              <a:t>12/12/2021</a:t>
+              <a:t>12/17/21</a:t>
             </a:fld>
             <a:endParaRPr lang="en-US"/>
           </a:p>
@@ -1091,7 +1093,7 @@
           <a:p>
             <a:fld id="{A76116CE-C4A3-4A05-B2D7-7C2E9A889C0F}" type="datetimeFigureOut">
               <a:rPr lang="en-US" smtClean="0"/>
-              <a:t>12/12/2021</a:t>
+              <a:t>12/17/21</a:t>
             </a:fld>
             <a:endParaRPr lang="en-US"/>
           </a:p>
@@ -1256,7 +1258,7 @@
           <a:p>
             <a:fld id="{A76116CE-C4A3-4A05-B2D7-7C2E9A889C0F}" type="datetimeFigureOut">
               <a:rPr lang="en-US" smtClean="0"/>
-              <a:t>12/12/2021</a:t>
+              <a:t>12/17/21</a:t>
             </a:fld>
             <a:endParaRPr lang="en-US"/>
           </a:p>
@@ -1496,7 +1498,7 @@
           <a:p>
             <a:fld id="{A76116CE-C4A3-4A05-B2D7-7C2E9A889C0F}" type="datetimeFigureOut">
               <a:rPr lang="en-US" smtClean="0"/>
-              <a:t>12/12/2021</a:t>
+              <a:t>12/17/21</a:t>
             </a:fld>
             <a:endParaRPr lang="en-US"/>
           </a:p>
@@ -1776,7 +1778,7 @@
           <a:p>
             <a:fld id="{A76116CE-C4A3-4A05-B2D7-7C2E9A889C0F}" type="datetimeFigureOut">
               <a:rPr lang="en-US" smtClean="0"/>
-              <a:t>12/12/2021</a:t>
+              <a:t>12/17/21</a:t>
             </a:fld>
             <a:endParaRPr lang="en-US"/>
           </a:p>
@@ -2190,7 +2192,7 @@
           <a:p>
             <a:fld id="{A76116CE-C4A3-4A05-B2D7-7C2E9A889C0F}" type="datetimeFigureOut">
               <a:rPr lang="en-US" smtClean="0"/>
-              <a:t>12/12/2021</a:t>
+              <a:t>12/17/21</a:t>
             </a:fld>
             <a:endParaRPr lang="en-US"/>
           </a:p>
@@ -2302,7 +2304,7 @@
           <a:p>
             <a:fld id="{A76116CE-C4A3-4A05-B2D7-7C2E9A889C0F}" type="datetimeFigureOut">
               <a:rPr lang="en-US" smtClean="0"/>
-              <a:t>12/12/2021</a:t>
+              <a:t>12/17/21</a:t>
             </a:fld>
             <a:endParaRPr lang="en-US"/>
           </a:p>
@@ -2392,7 +2394,7 @@
           <a:p>
             <a:fld id="{A76116CE-C4A3-4A05-B2D7-7C2E9A889C0F}" type="datetimeFigureOut">
               <a:rPr lang="en-US" smtClean="0"/>
-              <a:t>12/12/2021</a:t>
+              <a:t>12/17/21</a:t>
             </a:fld>
             <a:endParaRPr lang="en-US"/>
           </a:p>
@@ -2662,7 +2664,7 @@
           <a:p>
             <a:fld id="{A76116CE-C4A3-4A05-B2D7-7C2E9A889C0F}" type="datetimeFigureOut">
               <a:rPr lang="en-US" smtClean="0"/>
-              <a:t>12/12/2021</a:t>
+              <a:t>12/17/21</a:t>
             </a:fld>
             <a:endParaRPr lang="en-US"/>
           </a:p>
@@ -2909,7 +2911,7 @@
           <a:p>
             <a:fld id="{A76116CE-C4A3-4A05-B2D7-7C2E9A889C0F}" type="datetimeFigureOut">
               <a:rPr lang="en-US" smtClean="0"/>
-              <a:t>12/12/2021</a:t>
+              <a:t>12/17/21</a:t>
             </a:fld>
             <a:endParaRPr lang="en-US"/>
           </a:p>
@@ -3115,7 +3117,7 @@
           <a:p>
             <a:fld id="{F8166F1F-CE9B-4651-A6AA-CD717754106B}" type="datetimeFigureOut">
               <a:rPr lang="en-US" smtClean="0"/>
-              <a:t>12/12/2021</a:t>
+              <a:t>12/17/21</a:t>
             </a:fld>
             <a:endParaRPr lang="en-US"/>
           </a:p>
@@ -3678,7 +3680,7 @@
           <p:cNvPr id="11" name="TextBox 10">
             <a:extLst>
               <a:ext uri="{FF2B5EF4-FFF2-40B4-BE49-F238E27FC236}">
-                <a16:creationId xmlns="" xmlns:a16="http://schemas.microsoft.com/office/drawing/2014/main" id="{36EA778D-E90D-4E7B-9F3D-D930A0CD6903}"/>
+                <a16:creationId xmlns:a16="http://schemas.microsoft.com/office/drawing/2014/main" id="{36EA778D-E90D-4E7B-9F3D-D930A0CD6903}"/>
               </a:ext>
             </a:extLst>
           </p:cNvPr>
@@ -3789,7 +3791,7 @@
             <p:nvPr/>
           </p:nvPicPr>
           <p:blipFill>
-            <a:blip r:embed="rId3" cstate="print"/>
+            <a:blip r:embed="rId2" cstate="print"/>
             <a:stretch>
               <a:fillRect/>
             </a:stretch>
@@ -3828,7 +3830,7 @@
             <p:nvPr/>
           </p:nvPicPr>
           <p:blipFill>
-            <a:blip r:embed="rId4" cstate="print"/>
+            <a:blip r:embed="rId3" cstate="print"/>
             <a:stretch>
               <a:fillRect/>
             </a:stretch>
@@ -3885,21 +3887,167 @@
           </a:p>
         </p:txBody>
       </p:sp>
-      <p:sp>
-        <p:nvSpPr>
-          <p:cNvPr id="6" name="TextBox 5"/>
-          <p:cNvSpPr txBox="1"/>
-          <p:nvPr/>
-        </p:nvSpPr>
-        <p:spPr>
-          <a:xfrm>
-            <a:off x="3733800" y="4957108"/>
-            <a:ext cx="11001375" cy="1938992"/>
+      <p:pic>
+        <p:nvPicPr>
+          <p:cNvPr id="8" name="그림 7"/>
+          <p:cNvPicPr>
+            <a:picLocks noChangeAspect="1"/>
+          </p:cNvPicPr>
+          <p:nvPr/>
+        </p:nvPicPr>
+        <p:blipFill>
+          <a:blip r:embed="rId4"/>
+          <a:stretch>
+            <a:fillRect/>
+          </a:stretch>
+        </p:blipFill>
+        <p:spPr>
+          <a:xfrm>
+            <a:off x="3298876" y="5600700"/>
+            <a:ext cx="11690247" cy="3857625"/>
+          </a:xfrm>
+          <a:prstGeom prst="rect">
+            <a:avLst/>
+          </a:prstGeom>
+        </p:spPr>
+      </p:pic>
+      <p:pic>
+        <p:nvPicPr>
+          <p:cNvPr id="2050" name="Picture 2" descr="C:\Users\관리자\Desktop\화면 캡처 2021-12-12 000744.png"/>
+          <p:cNvPicPr>
+            <a:picLocks noChangeAspect="1" noChangeArrowheads="1"/>
+          </p:cNvPicPr>
+          <p:nvPr/>
+        </p:nvPicPr>
+        <p:blipFill>
+          <a:blip r:embed="rId5">
+            <a:extLst>
+              <a:ext uri="{28A0092B-C50C-407E-A947-70E740481C1C}">
+                <a14:useLocalDpi xmlns:a14="http://schemas.microsoft.com/office/drawing/2010/main" val="0"/>
+              </a:ext>
+            </a:extLst>
+          </a:blip>
+          <a:srcRect/>
+          <a:stretch>
+            <a:fillRect/>
+          </a:stretch>
+        </p:blipFill>
+        <p:spPr bwMode="auto">
+          <a:xfrm>
+            <a:off x="5403017" y="2247900"/>
+            <a:ext cx="6026983" cy="1447800"/>
           </a:xfrm>
           <a:prstGeom prst="rect">
             <a:avLst/>
           </a:prstGeom>
           <a:noFill/>
+          <a:extLst>
+            <a:ext uri="{909E8E84-426E-40DD-AFC4-6F175D3DCCD1}">
+              <a14:hiddenFill xmlns:a14="http://schemas.microsoft.com/office/drawing/2010/main">
+                <a:solidFill>
+                  <a:srgbClr val="FFFFFF"/>
+                </a:solidFill>
+              </a14:hiddenFill>
+            </a:ext>
+          </a:extLst>
+        </p:spPr>
+      </p:pic>
+      <p:pic>
+        <p:nvPicPr>
+          <p:cNvPr id="2051" name="Picture 3" descr="C:\Users\관리자\Desktop\화면 캡처 2021-12-12 000804.png"/>
+          <p:cNvPicPr>
+            <a:picLocks noChangeAspect="1" noChangeArrowheads="1"/>
+          </p:cNvPicPr>
+          <p:nvPr/>
+        </p:nvPicPr>
+        <p:blipFill>
+          <a:blip r:embed="rId6">
+            <a:extLst>
+              <a:ext uri="{28A0092B-C50C-407E-A947-70E740481C1C}">
+                <a14:useLocalDpi xmlns:a14="http://schemas.microsoft.com/office/drawing/2010/main" val="0"/>
+              </a:ext>
+            </a:extLst>
+          </a:blip>
+          <a:srcRect/>
+          <a:stretch>
+            <a:fillRect/>
+          </a:stretch>
+        </p:blipFill>
+        <p:spPr bwMode="auto">
+          <a:xfrm>
+            <a:off x="5403017" y="3543300"/>
+            <a:ext cx="6026983" cy="641350"/>
+          </a:xfrm>
+          <a:prstGeom prst="rect">
+            <a:avLst/>
+          </a:prstGeom>
+          <a:noFill/>
+          <a:extLst>
+            <a:ext uri="{909E8E84-426E-40DD-AFC4-6F175D3DCCD1}">
+              <a14:hiddenFill xmlns:a14="http://schemas.microsoft.com/office/drawing/2010/main">
+                <a:solidFill>
+                  <a:srgbClr val="FFFFFF"/>
+                </a:solidFill>
+              </a14:hiddenFill>
+            </a:ext>
+          </a:extLst>
+        </p:spPr>
+      </p:pic>
+      <p:sp>
+        <p:nvSpPr>
+          <p:cNvPr id="4" name="아래쪽 화살표 3"/>
+          <p:cNvSpPr/>
+          <p:nvPr/>
+        </p:nvSpPr>
+        <p:spPr>
+          <a:xfrm>
+            <a:off x="8187908" y="4610100"/>
+            <a:ext cx="457200" cy="609600"/>
+          </a:xfrm>
+          <a:prstGeom prst="downArrow">
+            <a:avLst/>
+          </a:prstGeom>
+        </p:spPr>
+        <p:style>
+          <a:lnRef idx="2">
+            <a:schemeClr val="accent1">
+              <a:shade val="50000"/>
+            </a:schemeClr>
+          </a:lnRef>
+          <a:fillRef idx="1">
+            <a:schemeClr val="accent1"/>
+          </a:fillRef>
+          <a:effectRef idx="0">
+            <a:schemeClr val="accent1"/>
+          </a:effectRef>
+          <a:fontRef idx="minor">
+            <a:schemeClr val="lt1"/>
+          </a:fontRef>
+        </p:style>
+        <p:txBody>
+          <a:bodyPr rtlCol="0" anchor="ctr"/>
+          <a:lstStyle/>
+          <a:p>
+            <a:pPr algn="ctr"/>
+            <a:endParaRPr lang="ko-KR" altLang="en-US"/>
+          </a:p>
+        </p:txBody>
+      </p:sp>
+      <p:sp>
+        <p:nvSpPr>
+          <p:cNvPr id="11" name="TextBox 10"/>
+          <p:cNvSpPr txBox="1"/>
+          <p:nvPr/>
+        </p:nvSpPr>
+        <p:spPr>
+          <a:xfrm>
+            <a:off x="609600" y="2350241"/>
+            <a:ext cx="3886200" cy="584775"/>
+          </a:xfrm>
+          <a:prstGeom prst="rect">
+            <a:avLst/>
+          </a:prstGeom>
+          <a:noFill/>
         </p:spPr>
         <p:txBody>
           <a:bodyPr wrap="square" rtlCol="0">
@@ -3909,7 +4057,7 @@
           <a:p>
             <a:pPr algn="ctr"/>
             <a:r>
-              <a:rPr lang="ko-KR" altLang="en-US" sz="4000" dirty="0">
+              <a:rPr lang="ko-KR" altLang="en-US" sz="3200" dirty="0">
                 <a:solidFill>
                   <a:schemeClr val="tx1">
                     <a:lumMod val="65000"/>
@@ -3917,78 +4065,15 @@
                   </a:schemeClr>
                 </a:solidFill>
               </a:rPr>
-              <a:t>텍스트에서 서로 다른 본문정리 기준으로 데이터 전처리 진행 후  분석한 </a:t>
-            </a:r>
-            <a:r>
-              <a:rPr lang="en-US" altLang="ko-KR" sz="4000" dirty="0">
-                <a:solidFill>
-                  <a:schemeClr val="tx1">
-                    <a:lumMod val="65000"/>
-                    <a:lumOff val="35000"/>
-                  </a:schemeClr>
-                </a:solidFill>
-              </a:rPr>
-              <a:t>3</a:t>
-            </a:r>
-            <a:r>
-              <a:rPr lang="ko-KR" altLang="en-US" sz="4000" dirty="0">
-                <a:solidFill>
-                  <a:schemeClr val="tx1">
-                    <a:lumMod val="65000"/>
-                    <a:lumOff val="35000"/>
-                  </a:schemeClr>
-                </a:solidFill>
-              </a:rPr>
-              <a:t>개의 결과를 비교 </a:t>
-            </a:r>
-            <a:r>
-              <a:rPr lang="en-US" altLang="ko-KR" sz="4000" dirty="0">
-                <a:solidFill>
-                  <a:schemeClr val="tx1">
-                    <a:lumMod val="65000"/>
-                    <a:lumOff val="35000"/>
-                  </a:schemeClr>
-                </a:solidFill>
-              </a:rPr>
-              <a:t> (morphs, nouns, </a:t>
-            </a:r>
-            <a:r>
-              <a:rPr lang="ko-KR" altLang="en-US" sz="4000" dirty="0">
-                <a:solidFill>
-                  <a:schemeClr val="tx1">
-                    <a:lumMod val="65000"/>
-                    <a:lumOff val="35000"/>
-                  </a:schemeClr>
-                </a:solidFill>
-              </a:rPr>
-              <a:t> </a:t>
-            </a:r>
-            <a:r>
-              <a:rPr lang="en-US" altLang="ko-KR" sz="4000" dirty="0">
-                <a:solidFill>
-                  <a:schemeClr val="tx1">
-                    <a:lumMod val="65000"/>
-                    <a:lumOff val="35000"/>
-                  </a:schemeClr>
-                </a:solidFill>
-              </a:rPr>
-              <a:t>pros)</a:t>
-            </a:r>
-            <a:endParaRPr lang="ko-KR" altLang="en-US" sz="4000" dirty="0">
-              <a:solidFill>
-                <a:schemeClr val="tx1">
-                  <a:lumMod val="65000"/>
-                  <a:lumOff val="35000"/>
-                </a:schemeClr>
-              </a:solidFill>
-            </a:endParaRPr>
+              <a:t>숫자 카테고리 추가</a:t>
+            </a:r>
           </a:p>
         </p:txBody>
       </p:sp>
     </p:spTree>
     <p:extLst>
       <p:ext uri="{BB962C8B-B14F-4D97-AF65-F5344CB8AC3E}">
-        <p14:creationId xmlns:p14="http://schemas.microsoft.com/office/powerpoint/2010/main" val="923156878"/>
+        <p14:creationId xmlns:p14="http://schemas.microsoft.com/office/powerpoint/2010/main" val="4086431174"/>
       </p:ext>
     </p:extLst>
   </p:cSld>
@@ -4208,7 +4293,7 @@
         </p:blipFill>
         <p:spPr>
           <a:xfrm>
-            <a:off x="5539248" y="2389108"/>
+            <a:off x="5443461" y="7495653"/>
             <a:ext cx="11910552" cy="1828800"/>
           </a:xfrm>
           <a:prstGeom prst="rect">
@@ -4290,7 +4375,7 @@
         </p:blipFill>
         <p:spPr>
           <a:xfrm>
-            <a:off x="5562600" y="4742406"/>
+            <a:off x="5443461" y="4911917"/>
             <a:ext cx="11811405" cy="2219084"/>
           </a:xfrm>
           <a:prstGeom prst="rect">
@@ -4405,7 +4490,7 @@
         </p:blipFill>
         <p:spPr>
           <a:xfrm>
-            <a:off x="5562600" y="7257006"/>
+            <a:off x="5452426" y="2331689"/>
             <a:ext cx="11811405" cy="2306094"/>
           </a:xfrm>
           <a:prstGeom prst="rect">
@@ -5684,7 +5769,7 @@
               <a:t>메인페이지</a:t>
             </a:r>
             <a:r>
-              <a:rPr lang="en-US" altLang="ko-KR" sz="2500" b="1" dirty="0" smtClean="0"/>
+              <a:rPr lang="en-US" altLang="ko-KR" sz="2500" b="1" dirty="0"/>
               <a:t>&gt;</a:t>
             </a:r>
             <a:endParaRPr lang="ko-KR" altLang="en-US" sz="2500" b="1" dirty="0"/>
@@ -5692,18 +5777,18 @@
           <a:p>
             <a:pPr fontAlgn="base"/>
             <a:r>
-              <a:rPr lang="en-US" altLang="ko-KR" sz="2000" dirty="0" smtClean="0">
+              <a:rPr lang="en-US" altLang="ko-KR" sz="2000" dirty="0">
                 <a:latin typeface="맑은 고딕"/>
                 <a:ea typeface="맑은 고딕"/>
               </a:rPr>
               <a:t>◆ </a:t>
             </a:r>
             <a:r>
-              <a:rPr lang="en-US" altLang="ko-KR" sz="2200" dirty="0" err="1" smtClean="0"/>
+              <a:rPr lang="en-US" altLang="ko-KR" sz="2200" dirty="0" err="1"/>
               <a:t>url</a:t>
             </a:r>
             <a:r>
-              <a:rPr lang="en-US" altLang="ko-KR" sz="2200" dirty="0" smtClean="0"/>
+              <a:rPr lang="en-US" altLang="ko-KR" sz="2200" dirty="0"/>
               <a:t> </a:t>
             </a:r>
             <a:r>
@@ -5715,19 +5800,11 @@
             <a:pPr fontAlgn="base"/>
             <a:r>
               <a:rPr lang="en-US" altLang="ko-KR" dirty="0"/>
-              <a:t>- </a:t>
-            </a:r>
-            <a:r>
-              <a:rPr lang="en-US" altLang="ko-KR" dirty="0" smtClean="0"/>
-              <a:t>   </a:t>
-            </a:r>
-            <a:r>
-              <a:rPr lang="ko-KR" altLang="en-US" dirty="0" smtClean="0"/>
-              <a:t>찾는 </a:t>
+              <a:t>-    </a:t>
             </a:r>
             <a:r>
               <a:rPr lang="ko-KR" altLang="en-US" dirty="0"/>
-              <a:t>기사가 아닐 경우 내가 직접 입력</a:t>
+              <a:t>찾는 기사가 아닐 경우 내가 직접 입력</a:t>
             </a:r>
           </a:p>
           <a:p>
@@ -5736,12 +5813,8 @@
               <a:buChar char="-"/>
             </a:pPr>
             <a:r>
-              <a:rPr lang="ko-KR" altLang="en-US" dirty="0" smtClean="0"/>
-              <a:t>찾은 </a:t>
-            </a:r>
-            <a:r>
               <a:rPr lang="ko-KR" altLang="en-US" dirty="0"/>
-              <a:t>기사 </a:t>
+              <a:t>찾은 기사 </a:t>
             </a:r>
             <a:r>
               <a:rPr lang="ko-KR" altLang="en-US" dirty="0" err="1"/>
@@ -5749,13 +5822,9 @@
             </a:r>
             <a:r>
               <a:rPr lang="ko-KR" altLang="en-US" dirty="0"/>
-              <a:t> </a:t>
-            </a:r>
-            <a:r>
-              <a:rPr lang="ko-KR" altLang="en-US" dirty="0" smtClean="0"/>
-              <a:t>저장</a:t>
-            </a:r>
-            <a:endParaRPr lang="en-US" altLang="ko-KR" dirty="0" smtClean="0"/>
+              <a:t> 저장</a:t>
+            </a:r>
+            <a:endParaRPr lang="en-US" altLang="ko-KR" dirty="0"/>
           </a:p>
           <a:p>
             <a:pPr fontAlgn="base"/>
@@ -5771,12 +5840,8 @@
               <a:t>◆ </a:t>
             </a:r>
             <a:r>
-              <a:rPr lang="ko-KR" altLang="en-US" sz="2200" dirty="0" smtClean="0"/>
-              <a:t>내가 </a:t>
-            </a:r>
-            <a:r>
               <a:rPr lang="ko-KR" altLang="en-US" sz="2200" dirty="0"/>
-              <a:t>저장한 게시물</a:t>
+              <a:t>내가 저장한 게시물</a:t>
             </a:r>
             <a:r>
               <a:rPr lang="en-US" altLang="ko-KR" sz="2200" dirty="0"/>
@@ -5792,13 +5857,9 @@
             </a:r>
             <a:r>
               <a:rPr lang="ko-KR" altLang="en-US" sz="2200" dirty="0"/>
-              <a:t> </a:t>
-            </a:r>
-            <a:r>
-              <a:rPr lang="ko-KR" altLang="en-US" sz="2200" dirty="0" smtClean="0"/>
-              <a:t>표시</a:t>
-            </a:r>
-            <a:endParaRPr lang="en-US" altLang="ko-KR" sz="2200" dirty="0" smtClean="0"/>
+              <a:t> 표시</a:t>
+            </a:r>
+            <a:endParaRPr lang="en-US" altLang="ko-KR" sz="2200" dirty="0"/>
           </a:p>
           <a:p>
             <a:pPr fontAlgn="base"/>
@@ -5814,11 +5875,11 @@
               <a:t>◆ </a:t>
             </a:r>
             <a:r>
-              <a:rPr lang="en-US" altLang="ko-KR" sz="2200" dirty="0" err="1" smtClean="0"/>
+              <a:rPr lang="en-US" altLang="ko-KR" sz="2200" dirty="0" err="1"/>
               <a:t>url</a:t>
             </a:r>
             <a:r>
-              <a:rPr lang="en-US" altLang="ko-KR" sz="2200" dirty="0" smtClean="0"/>
+              <a:rPr lang="en-US" altLang="ko-KR" sz="2200" dirty="0"/>
               <a:t> </a:t>
             </a:r>
             <a:r>
@@ -5843,57 +5904,37 @@
             <a:pPr fontAlgn="base"/>
             <a:r>
               <a:rPr lang="en-US" altLang="ko-KR" dirty="0"/>
-              <a:t>- </a:t>
-            </a:r>
-            <a:r>
-              <a:rPr lang="en-US" altLang="ko-KR" dirty="0" smtClean="0"/>
-              <a:t>   </a:t>
-            </a:r>
-            <a:r>
-              <a:rPr lang="ko-KR" altLang="en-US" dirty="0" smtClean="0"/>
-              <a:t>본문 </a:t>
+              <a:t>-    </a:t>
             </a:r>
             <a:r>
               <a:rPr lang="ko-KR" altLang="en-US" dirty="0"/>
-              <a:t>요약</a:t>
+              <a:t>본문 요약</a:t>
             </a:r>
           </a:p>
           <a:p>
             <a:pPr fontAlgn="base"/>
             <a:r>
               <a:rPr lang="en-US" altLang="ko-KR" dirty="0"/>
-              <a:t>- </a:t>
-            </a:r>
-            <a:r>
-              <a:rPr lang="en-US" altLang="ko-KR" dirty="0" smtClean="0"/>
-              <a:t>   </a:t>
-            </a:r>
-            <a:r>
-              <a:rPr lang="ko-KR" altLang="en-US" dirty="0" err="1" smtClean="0"/>
+              <a:t>-    </a:t>
+            </a:r>
+            <a:r>
+              <a:rPr lang="ko-KR" altLang="en-US" dirty="0" err="1"/>
               <a:t>워드클라우드를</a:t>
             </a:r>
             <a:r>
-              <a:rPr lang="ko-KR" altLang="en-US" dirty="0" smtClean="0"/>
-              <a:t> </a:t>
-            </a:r>
-            <a:r>
               <a:rPr lang="ko-KR" altLang="en-US" dirty="0"/>
-              <a:t>통한 이미지 저장</a:t>
+              <a:t> 통한 이미지 저장</a:t>
             </a:r>
           </a:p>
           <a:p>
             <a:pPr fontAlgn="base"/>
             <a:r>
-              <a:rPr lang="en-US" altLang="ko-KR" dirty="0" smtClean="0"/>
+              <a:rPr lang="en-US" altLang="ko-KR" dirty="0"/>
               <a:t>-    </a:t>
             </a:r>
             <a:r>
-              <a:rPr lang="ko-KR" altLang="en-US" dirty="0" smtClean="0"/>
-              <a:t>카테고리 </a:t>
-            </a:r>
-            <a:r>
               <a:rPr lang="ko-KR" altLang="en-US" dirty="0"/>
-              <a:t>분류</a:t>
+              <a:t>카테고리 분류</a:t>
             </a:r>
             <a:r>
               <a:rPr lang="en-US" altLang="ko-KR" dirty="0"/>
@@ -5920,22 +5961,20 @@
               <a:t> </a:t>
             </a:r>
             <a:r>
-              <a:rPr lang="ko-KR" altLang="en-US" dirty="0" smtClean="0"/>
+              <a:rPr lang="ko-KR" altLang="en-US" dirty="0"/>
               <a:t>링크 </a:t>
             </a:r>
-            <a:endParaRPr lang="ko-KR" altLang="en-US" dirty="0"/>
           </a:p>
           <a:p>
             <a:pPr fontAlgn="base"/>
             <a:r>
-              <a:rPr lang="en-US" altLang="ko-KR" dirty="0" smtClean="0"/>
+              <a:rPr lang="en-US" altLang="ko-KR" dirty="0"/>
               <a:t>-    </a:t>
             </a:r>
             <a:r>
-              <a:rPr lang="ko-KR" altLang="en-US" dirty="0" smtClean="0"/>
+              <a:rPr lang="ko-KR" altLang="en-US" dirty="0"/>
               <a:t>메모기능</a:t>
             </a:r>
-            <a:endParaRPr lang="ko-KR" altLang="en-US" dirty="0"/>
           </a:p>
           <a:p>
             <a:pPr marL="285750" indent="-285750" fontAlgn="base">
@@ -5943,10 +5982,10 @@
               <a:buChar char="-"/>
             </a:pPr>
             <a:r>
-              <a:rPr lang="ko-KR" altLang="en-US" dirty="0" smtClean="0"/>
+              <a:rPr lang="ko-KR" altLang="en-US" dirty="0"/>
               <a:t>키워드 정리</a:t>
             </a:r>
-            <a:endParaRPr lang="en-US" altLang="ko-KR" dirty="0" smtClean="0"/>
+            <a:endParaRPr lang="en-US" altLang="ko-KR" dirty="0"/>
           </a:p>
           <a:p>
             <a:pPr marL="285750" indent="-285750" fontAlgn="base">
@@ -5981,7 +6020,7 @@
               <a:t>◆ </a:t>
             </a:r>
             <a:r>
-              <a:rPr lang="ko-KR" altLang="en-US" sz="2200" dirty="0" err="1" smtClean="0"/>
+              <a:rPr lang="ko-KR" altLang="en-US" sz="2200" dirty="0" err="1"/>
               <a:t>채팅방</a:t>
             </a:r>
             <a:endParaRPr lang="ko-KR" altLang="en-US" sz="2200" dirty="0"/>
@@ -6034,28 +6073,19 @@
               <a:t>◆ </a:t>
             </a:r>
             <a:r>
-              <a:rPr lang="ko-KR" altLang="en-US" sz="2200" dirty="0" smtClean="0"/>
+              <a:rPr lang="ko-KR" altLang="en-US" sz="2200" dirty="0"/>
               <a:t>채팅</a:t>
             </a:r>
-            <a:endParaRPr lang="ko-KR" altLang="en-US" sz="2200" dirty="0"/>
           </a:p>
           <a:p>
             <a:pPr fontAlgn="base"/>
             <a:r>
               <a:rPr lang="en-US" altLang="ko-KR" dirty="0"/>
-              <a:t>- </a:t>
-            </a:r>
-            <a:r>
-              <a:rPr lang="en-US" altLang="ko-KR" dirty="0" smtClean="0"/>
-              <a:t>   </a:t>
-            </a:r>
-            <a:r>
-              <a:rPr lang="ko-KR" altLang="en-US" dirty="0" smtClean="0"/>
-              <a:t>내가 </a:t>
+              <a:t>-    </a:t>
             </a:r>
             <a:r>
               <a:rPr lang="ko-KR" altLang="en-US" dirty="0"/>
-              <a:t>친 채팅 수정</a:t>
+              <a:t>내가 친 채팅 수정</a:t>
             </a:r>
             <a:r>
               <a:rPr lang="en-US" altLang="ko-KR" dirty="0"/>
@@ -6072,18 +6102,10 @@
               <a:buChar char="-"/>
             </a:pPr>
             <a:r>
-              <a:rPr lang="ko-KR" altLang="en-US" dirty="0" smtClean="0"/>
-              <a:t>채팅 </a:t>
-            </a:r>
-            <a:r>
               <a:rPr lang="ko-KR" altLang="en-US" dirty="0"/>
-              <a:t>친 시간 및 작성자 </a:t>
-            </a:r>
-            <a:r>
-              <a:rPr lang="ko-KR" altLang="en-US" dirty="0" smtClean="0"/>
-              <a:t>표시</a:t>
-            </a:r>
-            <a:endParaRPr lang="en-US" altLang="ko-KR" dirty="0" smtClean="0"/>
+              <a:t>채팅 친 시간 및 작성자 표시</a:t>
+            </a:r>
+            <a:endParaRPr lang="en-US" altLang="ko-KR" dirty="0"/>
           </a:p>
           <a:p>
             <a:pPr marL="285750" indent="-285750" fontAlgn="base">
@@ -6091,23 +6113,23 @@
               <a:buChar char="-"/>
             </a:pPr>
             <a:r>
-              <a:rPr lang="en-US" altLang="ko-KR" dirty="0" smtClean="0"/>
+              <a:rPr lang="en-US" altLang="ko-KR" dirty="0"/>
               <a:t>URL </a:t>
             </a:r>
             <a:r>
-              <a:rPr lang="ko-KR" altLang="en-US" dirty="0" smtClean="0"/>
+              <a:rPr lang="ko-KR" altLang="en-US" dirty="0"/>
               <a:t>전송 및 가져오기 기능</a:t>
             </a:r>
-            <a:endParaRPr lang="en-US" altLang="ko-KR" dirty="0" smtClean="0"/>
+            <a:endParaRPr lang="en-US" altLang="ko-KR" dirty="0"/>
           </a:p>
           <a:p>
             <a:pPr fontAlgn="base"/>
-            <a:endParaRPr lang="en-US" altLang="ko-KR" dirty="0" smtClean="0"/>
+            <a:endParaRPr lang="en-US" altLang="ko-KR" dirty="0"/>
           </a:p>
           <a:p>
             <a:pPr fontAlgn="base"/>
             <a:r>
-              <a:rPr lang="en-US" altLang="ko-KR" sz="2500" b="1" dirty="0" smtClean="0"/>
+              <a:rPr lang="en-US" altLang="ko-KR" sz="2500" b="1" dirty="0"/>
               <a:t>&lt;</a:t>
             </a:r>
             <a:r>
@@ -6332,7 +6354,7 @@
           <a:lstStyle/>
           <a:p>
             <a:r>
-              <a:rPr lang="ko-KR" altLang="en-US" sz="3200" smtClean="0">
+              <a:rPr lang="ko-KR" altLang="en-US" sz="3200">
                 <a:solidFill>
                   <a:schemeClr val="tx1">
                     <a:lumMod val="65000"/>
@@ -6361,8 +6383,8 @@
         </p:nvSpPr>
         <p:spPr>
           <a:xfrm>
-            <a:off x="5943600" y="5143500"/>
-            <a:ext cx="5943600" cy="369332"/>
+            <a:off x="2734252" y="3345076"/>
+            <a:ext cx="6248400" cy="646331"/>
           </a:xfrm>
           <a:prstGeom prst="rect">
             <a:avLst/>
@@ -6370,7 +6392,7 @@
           <a:noFill/>
           <a:ln>
             <a:solidFill>
-              <a:schemeClr val="tx1"/>
+              <a:schemeClr val="bg1"/>
             </a:solidFill>
           </a:ln>
         </p:spPr>
@@ -6381,18 +6403,109 @@
           <a:lstStyle/>
           <a:p>
             <a:r>
-              <a:rPr lang="en-US" altLang="ko-KR" dirty="0" err="1" smtClean="0"/>
-              <a:t>Youtube</a:t>
-            </a:r>
-            <a:r>
-              <a:rPr lang="en-US" altLang="ko-KR" dirty="0" smtClean="0"/>
-              <a:t> </a:t>
-            </a:r>
-            <a:r>
-              <a:rPr lang="ko-KR" altLang="en-US" dirty="0" smtClean="0"/>
-              <a:t>링크</a:t>
-            </a:r>
-            <a:endParaRPr lang="ko-KR" altLang="en-US" dirty="0"/>
+              <a:rPr lang="en-US" altLang="ko-KR" sz="3600" dirty="0"/>
+              <a:t>https://youtu.be/ByVD2MxoCsU</a:t>
+            </a:r>
+            <a:endParaRPr lang="ko-KR" altLang="en-US" sz="3600" dirty="0"/>
+          </a:p>
+        </p:txBody>
+      </p:sp>
+      <p:sp>
+        <p:nvSpPr>
+          <p:cNvPr id="9" name="TextBox 8">
+            <a:extLst>
+              <a:ext uri="{FF2B5EF4-FFF2-40B4-BE49-F238E27FC236}">
+                <a16:creationId xmlns:a16="http://schemas.microsoft.com/office/drawing/2014/main" id="{EF250CF4-8029-0840-8E7B-BBEB67D9E8C1}"/>
+              </a:ext>
+            </a:extLst>
+          </p:cNvPr>
+          <p:cNvSpPr txBox="1"/>
+          <p:nvPr/>
+        </p:nvSpPr>
+        <p:spPr>
+          <a:xfrm>
+            <a:off x="479645" y="6328723"/>
+            <a:ext cx="4509214" cy="584775"/>
+          </a:xfrm>
+          <a:prstGeom prst="rect">
+            <a:avLst/>
+          </a:prstGeom>
+          <a:noFill/>
+        </p:spPr>
+        <p:txBody>
+          <a:bodyPr wrap="square" rtlCol="0">
+            <a:spAutoFit/>
+          </a:bodyPr>
+          <a:lstStyle/>
+          <a:p>
+            <a:r>
+              <a:rPr lang="en-US" altLang="ko-KR" sz="3200" dirty="0" err="1">
+                <a:solidFill>
+                  <a:schemeClr val="tx1">
+                    <a:lumMod val="65000"/>
+                    <a:lumOff val="35000"/>
+                  </a:schemeClr>
+                </a:solidFill>
+              </a:rPr>
+              <a:t>github</a:t>
+            </a:r>
+            <a:endParaRPr lang="en-US" altLang="ko-KR" sz="3200" dirty="0">
+              <a:solidFill>
+                <a:schemeClr val="tx1">
+                  <a:lumMod val="65000"/>
+                  <a:lumOff val="35000"/>
+                </a:schemeClr>
+              </a:solidFill>
+            </a:endParaRPr>
+          </a:p>
+        </p:txBody>
+      </p:sp>
+      <p:sp>
+        <p:nvSpPr>
+          <p:cNvPr id="10" name="TextBox 9">
+            <a:extLst>
+              <a:ext uri="{FF2B5EF4-FFF2-40B4-BE49-F238E27FC236}">
+                <a16:creationId xmlns:a16="http://schemas.microsoft.com/office/drawing/2014/main" id="{73A8D7E2-54B2-7A4B-9340-5392B6731408}"/>
+              </a:ext>
+            </a:extLst>
+          </p:cNvPr>
+          <p:cNvSpPr txBox="1"/>
+          <p:nvPr/>
+        </p:nvSpPr>
+        <p:spPr>
+          <a:xfrm>
+            <a:off x="2729769" y="7637801"/>
+            <a:ext cx="6248400" cy="646331"/>
+          </a:xfrm>
+          <a:prstGeom prst="rect">
+            <a:avLst/>
+          </a:prstGeom>
+          <a:noFill/>
+          <a:ln>
+            <a:solidFill>
+              <a:schemeClr val="bg1"/>
+            </a:solidFill>
+          </a:ln>
+        </p:spPr>
+        <p:txBody>
+          <a:bodyPr wrap="square" rtlCol="0">
+            <a:spAutoFit/>
+          </a:bodyPr>
+          <a:lstStyle/>
+          <a:p>
+            <a:r>
+              <a:rPr lang="en-US" altLang="ko-KR" sz="3600" dirty="0"/>
+              <a:t>https://</a:t>
+            </a:r>
+            <a:r>
+              <a:rPr lang="en-US" altLang="ko-KR" sz="3600" dirty="0" err="1"/>
+              <a:t>github.com</a:t>
+            </a:r>
+            <a:r>
+              <a:rPr lang="en-US" altLang="ko-KR" sz="3600" dirty="0"/>
+              <a:t>/DGUFARM</a:t>
+            </a:r>
+            <a:endParaRPr lang="ko-KR" altLang="en-US" sz="3600" dirty="0"/>
           </a:p>
         </p:txBody>
       </p:sp>
@@ -6411,15 +6524,7 @@
 
 <file path=ppt/slides/slide18.xml><?xml version="1.0" encoding="utf-8"?>
 <p:sld xmlns:a="http://schemas.openxmlformats.org/drawingml/2006/main" xmlns:r="http://schemas.openxmlformats.org/officeDocument/2006/relationships" xmlns:p="http://schemas.openxmlformats.org/presentationml/2006/main">
-  <p:cSld name="Slide 14">
-    <p:bg>
-      <p:bgPr>
-        <a:solidFill>
-          <a:srgbClr val="595959"/>
-        </a:solidFill>
-        <a:effectLst/>
-      </p:bgPr>
-    </p:bg>
+  <p:cSld>
     <p:spTree>
       <p:nvGrpSpPr>
         <p:cNvPr id="1" name=""/>
@@ -6434,30 +6539,219 @@
           <a:chExt cx="0" cy="0"/>
         </a:xfrm>
       </p:grpSpPr>
+      <p:grpSp>
+        <p:nvGrpSpPr>
+          <p:cNvPr id="1001" name="그룹 1001"/>
+          <p:cNvGrpSpPr/>
+          <p:nvPr/>
+        </p:nvGrpSpPr>
+        <p:grpSpPr>
+          <a:xfrm>
+            <a:off x="6299514" y="-29001"/>
+            <a:ext cx="12285714" cy="10685308"/>
+            <a:chOff x="6304762" y="-228571"/>
+            <a:chExt cx="12285714" cy="10685308"/>
+          </a:xfrm>
+        </p:grpSpPr>
+        <p:pic>
+          <p:nvPicPr>
+            <p:cNvPr id="3" name="Object 2"/>
+            <p:cNvPicPr>
+              <a:picLocks noChangeAspect="1"/>
+            </p:cNvPicPr>
+            <p:nvPr/>
+          </p:nvPicPr>
+          <p:blipFill>
+            <a:blip r:embed="rId2" cstate="print"/>
+            <a:stretch>
+              <a:fillRect/>
+            </a:stretch>
+          </p:blipFill>
+          <p:spPr>
+            <a:xfrm>
+              <a:off x="6304762" y="-228571"/>
+              <a:ext cx="12285714" cy="10685308"/>
+            </a:xfrm>
+            <a:prstGeom prst="rect">
+              <a:avLst/>
+            </a:prstGeom>
+          </p:spPr>
+        </p:pic>
+      </p:grpSp>
       <p:pic>
         <p:nvPicPr>
-          <p:cNvPr id="2" name="Object 1"/>
+          <p:cNvPr id="9" name="Object 8"/>
           <p:cNvPicPr>
             <a:picLocks noChangeAspect="1"/>
           </p:cNvPicPr>
           <p:nvPr/>
         </p:nvPicPr>
         <p:blipFill>
-          <a:blip r:embed="rId2" cstate="print"/>
+          <a:blip r:embed="rId3" cstate="print"/>
           <a:stretch>
             <a:fillRect/>
           </a:stretch>
         </p:blipFill>
         <p:spPr>
           <a:xfrm>
-            <a:off x="6838101" y="2841760"/>
-            <a:ext cx="10948674" cy="5549169"/>
+            <a:off x="285373" y="6364982"/>
+            <a:ext cx="4923280" cy="1001550"/>
           </a:xfrm>
           <a:prstGeom prst="rect">
             <a:avLst/>
           </a:prstGeom>
         </p:spPr>
       </p:pic>
+      <p:grpSp>
+        <p:nvGrpSpPr>
+          <p:cNvPr id="1002" name="그룹 1002"/>
+          <p:cNvGrpSpPr/>
+          <p:nvPr/>
+        </p:nvGrpSpPr>
+        <p:grpSpPr>
+          <a:xfrm>
+            <a:off x="16134524" y="2196905"/>
+            <a:ext cx="1826190" cy="137143"/>
+            <a:chOff x="16134524" y="2196905"/>
+            <a:chExt cx="1826190" cy="137143"/>
+          </a:xfrm>
+        </p:grpSpPr>
+        <p:pic>
+          <p:nvPicPr>
+            <p:cNvPr id="11" name="Object 10"/>
+            <p:cNvPicPr>
+              <a:picLocks noChangeAspect="1"/>
+            </p:cNvPicPr>
+            <p:nvPr/>
+          </p:nvPicPr>
+          <p:blipFill>
+            <a:blip r:embed="rId4" cstate="print"/>
+            <a:stretch>
+              <a:fillRect/>
+            </a:stretch>
+          </p:blipFill>
+          <p:spPr>
+            <a:xfrm rot="-16200000">
+              <a:off x="16134524" y="2196905"/>
+              <a:ext cx="1826190" cy="137143"/>
+            </a:xfrm>
+            <a:prstGeom prst="rect">
+              <a:avLst/>
+            </a:prstGeom>
+          </p:spPr>
+        </p:pic>
+      </p:grpSp>
+      <p:sp>
+        <p:nvSpPr>
+          <p:cNvPr id="12" name="TextBox 11"/>
+          <p:cNvSpPr txBox="1"/>
+          <p:nvPr/>
+        </p:nvSpPr>
+        <p:spPr>
+          <a:xfrm>
+            <a:off x="7543800" y="4342934"/>
+            <a:ext cx="5831452" cy="769441"/>
+          </a:xfrm>
+          <a:prstGeom prst="rect">
+            <a:avLst/>
+          </a:prstGeom>
+          <a:noFill/>
+        </p:spPr>
+        <p:txBody>
+          <a:bodyPr wrap="square" rtlCol="0">
+            <a:spAutoFit/>
+          </a:bodyPr>
+          <a:lstStyle/>
+          <a:p>
+            <a:r>
+              <a:rPr lang="ko-KR" altLang="en-US" sz="4400" b="1" dirty="0">
+                <a:solidFill>
+                  <a:schemeClr val="bg1"/>
+                </a:solidFill>
+              </a:rPr>
+              <a:t>기대 효과</a:t>
+            </a:r>
+          </a:p>
+        </p:txBody>
+      </p:sp>
+      <p:sp>
+        <p:nvSpPr>
+          <p:cNvPr id="4" name="TextBox 3"/>
+          <p:cNvSpPr txBox="1"/>
+          <p:nvPr/>
+        </p:nvSpPr>
+        <p:spPr>
+          <a:xfrm>
+            <a:off x="1024232" y="2603997"/>
+            <a:ext cx="5275282" cy="4247317"/>
+          </a:xfrm>
+          <a:prstGeom prst="rect">
+            <a:avLst/>
+          </a:prstGeom>
+          <a:noFill/>
+        </p:spPr>
+        <p:txBody>
+          <a:bodyPr wrap="square" rtlCol="0">
+            <a:spAutoFit/>
+          </a:bodyPr>
+          <a:lstStyle/>
+          <a:p>
+            <a:r>
+              <a:rPr lang="en-US" altLang="ko-KR" sz="27000" dirty="0">
+                <a:solidFill>
+                  <a:schemeClr val="tx1">
+                    <a:lumMod val="65000"/>
+                    <a:lumOff val="35000"/>
+                  </a:schemeClr>
+                </a:solidFill>
+                <a:latin typeface="HY견고딕" panose="02030600000101010101" pitchFamily="18" charset="-127"/>
+                <a:ea typeface="HY견고딕" panose="02030600000101010101" pitchFamily="18" charset="-127"/>
+              </a:rPr>
+              <a:t>05</a:t>
+            </a:r>
+            <a:endParaRPr lang="ko-KR" altLang="en-US" sz="27000" dirty="0">
+              <a:solidFill>
+                <a:schemeClr val="tx1">
+                  <a:lumMod val="65000"/>
+                  <a:lumOff val="35000"/>
+                </a:schemeClr>
+              </a:solidFill>
+              <a:latin typeface="HY견고딕" panose="02030600000101010101" pitchFamily="18" charset="-127"/>
+              <a:ea typeface="HY견고딕" panose="02030600000101010101" pitchFamily="18" charset="-127"/>
+            </a:endParaRPr>
+          </a:p>
+        </p:txBody>
+      </p:sp>
+    </p:spTree>
+    <p:extLst>
+      <p:ext uri="{BB962C8B-B14F-4D97-AF65-F5344CB8AC3E}">
+        <p14:creationId xmlns:p14="http://schemas.microsoft.com/office/powerpoint/2010/main" val="1414002990"/>
+      </p:ext>
+    </p:extLst>
+  </p:cSld>
+  <p:clrMapOvr>
+    <a:masterClrMapping/>
+  </p:clrMapOvr>
+</p:sld>
+</file>
+
+<file path=ppt/slides/slide19.xml><?xml version="1.0" encoding="utf-8"?>
+<p:sld xmlns:a="http://schemas.openxmlformats.org/drawingml/2006/main" xmlns:r="http://schemas.openxmlformats.org/officeDocument/2006/relationships" xmlns:p="http://schemas.openxmlformats.org/presentationml/2006/main">
+  <p:cSld>
+    <p:spTree>
+      <p:nvGrpSpPr>
+        <p:cNvPr id="1" name=""/>
+        <p:cNvGrpSpPr/>
+        <p:nvPr/>
+      </p:nvGrpSpPr>
+      <p:grpSpPr>
+        <a:xfrm>
+          <a:off x="0" y="0"/>
+          <a:ext cx="0" cy="0"/>
+          <a:chOff x="0" y="0"/>
+          <a:chExt cx="0" cy="0"/>
+        </a:xfrm>
+      </p:grpSpPr>
       <p:grpSp>
         <p:nvGrpSpPr>
           <p:cNvPr id="1001" name="그룹 1001"/>
@@ -6466,15 +6760,54 @@
         </p:nvGrpSpPr>
         <p:grpSpPr>
           <a:xfrm>
-            <a:off x="-2587976" y="5093658"/>
-            <a:ext cx="8000000" cy="137143"/>
-            <a:chOff x="-2587976" y="5093658"/>
-            <a:chExt cx="8000000" cy="137143"/>
+            <a:off x="0" y="501393"/>
+            <a:ext cx="18288000" cy="1215740"/>
+            <a:chOff x="-103714" y="-925330"/>
+            <a:chExt cx="18646484" cy="4633254"/>
           </a:xfrm>
         </p:grpSpPr>
         <p:pic>
           <p:nvPicPr>
-            <p:cNvPr id="6" name="Object 5"/>
+            <p:cNvPr id="3" name="Object 2"/>
+            <p:cNvPicPr>
+              <a:picLocks noChangeAspect="1"/>
+            </p:cNvPicPr>
+            <p:nvPr/>
+          </p:nvPicPr>
+          <p:blipFill>
+            <a:blip r:embed="rId2" cstate="print"/>
+            <a:stretch>
+              <a:fillRect/>
+            </a:stretch>
+          </p:blipFill>
+          <p:spPr>
+            <a:xfrm>
+              <a:off x="-103714" y="-925330"/>
+              <a:ext cx="18646484" cy="4633254"/>
+            </a:xfrm>
+            <a:prstGeom prst="rect">
+              <a:avLst/>
+            </a:prstGeom>
+          </p:spPr>
+        </p:pic>
+      </p:grpSp>
+      <p:grpSp>
+        <p:nvGrpSpPr>
+          <p:cNvPr id="1006" name="그룹 1006"/>
+          <p:cNvGrpSpPr/>
+          <p:nvPr/>
+        </p:nvGrpSpPr>
+        <p:grpSpPr>
+          <a:xfrm>
+            <a:off x="-681679" y="721837"/>
+            <a:ext cx="1807143" cy="137143"/>
+            <a:chOff x="16144048" y="2206428"/>
+            <a:chExt cx="1807143" cy="137143"/>
+          </a:xfrm>
+        </p:grpSpPr>
+        <p:pic>
+          <p:nvPicPr>
+            <p:cNvPr id="29" name="Object 28"/>
             <p:cNvPicPr>
               <a:picLocks noChangeAspect="1"/>
             </p:cNvPicPr>
@@ -6488,8 +6821,8 @@
           </p:blipFill>
           <p:spPr>
             <a:xfrm rot="-16200000">
-              <a:off x="-2587976" y="5093658"/>
-              <a:ext cx="8000000" cy="137143"/>
+              <a:off x="16144048" y="2206428"/>
+              <a:ext cx="1807143" cy="137143"/>
             </a:xfrm>
             <a:prstGeom prst="rect">
               <a:avLst/>
@@ -6499,14 +6832,14 @@
       </p:grpSp>
       <p:sp>
         <p:nvSpPr>
-          <p:cNvPr id="5" name="TextBox 4"/>
+          <p:cNvPr id="2" name="TextBox 1"/>
           <p:cNvSpPr txBox="1"/>
           <p:nvPr/>
         </p:nvSpPr>
         <p:spPr>
           <a:xfrm>
-            <a:off x="14433975" y="7734300"/>
-            <a:ext cx="3352800" cy="769441"/>
+            <a:off x="443786" y="724543"/>
+            <a:ext cx="6781800" cy="769441"/>
           </a:xfrm>
           <a:prstGeom prst="rect">
             <a:avLst/>
@@ -6520,33 +6853,207 @@
           <a:lstStyle/>
           <a:p>
             <a:r>
+              <a:rPr lang="en-US" altLang="ko-KR" sz="4400" b="1" dirty="0">
+                <a:solidFill>
+                  <a:schemeClr val="bg1"/>
+                </a:solidFill>
+              </a:rPr>
+              <a:t>5. </a:t>
+            </a:r>
+            <a:r>
               <a:rPr lang="ko-KR" altLang="en-US" sz="4400" b="1" dirty="0">
                 <a:solidFill>
                   <a:schemeClr val="bg1"/>
                 </a:solidFill>
-                <a:latin typeface="+mj-lt"/>
-              </a:rPr>
-              <a:t>팀 </a:t>
-            </a:r>
-            <a:r>
-              <a:rPr lang="en-US" altLang="ko-KR" sz="4400" b="1" dirty="0" err="1">
-                <a:solidFill>
-                  <a:schemeClr val="bg1"/>
-                </a:solidFill>
-                <a:latin typeface="+mj-lt"/>
-              </a:rPr>
-              <a:t>singapore</a:t>
-            </a:r>
-            <a:endParaRPr lang="ko-KR" altLang="en-US" sz="4400" b="1" dirty="0">
-              <a:solidFill>
-                <a:schemeClr val="bg1"/>
-              </a:solidFill>
-              <a:latin typeface="+mj-lt"/>
-            </a:endParaRPr>
-          </a:p>
-        </p:txBody>
-      </p:sp>
+              </a:rPr>
+              <a:t>기대 효과</a:t>
+            </a:r>
+          </a:p>
+        </p:txBody>
+      </p:sp>
+      <p:pic>
+        <p:nvPicPr>
+          <p:cNvPr id="1030" name="Picture 6" descr="양식 응답 차트. 질문 제목: 자료조사를 하면서 다시볼 자료의 url을 저장해두면서 저장한 url이 어떤 url이었는지 헷갈리거나 다시 못찾은 경험이 있나요?. 응답 수: 응답 52개.">
+            <a:extLst>
+              <a:ext uri="{FF2B5EF4-FFF2-40B4-BE49-F238E27FC236}">
+                <a16:creationId xmlns:a16="http://schemas.microsoft.com/office/drawing/2014/main" id="{996D0BA0-21F3-644D-A839-370E6B554659}"/>
+              </a:ext>
+            </a:extLst>
+          </p:cNvPr>
+          <p:cNvPicPr>
+            <a:picLocks noChangeAspect="1" noChangeArrowheads="1"/>
+          </p:cNvPicPr>
+          <p:nvPr/>
+        </p:nvPicPr>
+        <p:blipFill>
+          <a:blip r:embed="rId4">
+            <a:extLst>
+              <a:ext uri="{28A0092B-C50C-407E-A947-70E740481C1C}">
+                <a14:useLocalDpi xmlns:a14="http://schemas.microsoft.com/office/drawing/2010/main" val="0"/>
+              </a:ext>
+            </a:extLst>
+          </a:blip>
+          <a:srcRect/>
+          <a:stretch>
+            <a:fillRect/>
+          </a:stretch>
+        </p:blipFill>
+        <p:spPr bwMode="auto">
+          <a:xfrm>
+            <a:off x="153321" y="1717133"/>
+            <a:ext cx="6477000" cy="4450357"/>
+          </a:xfrm>
+          <a:prstGeom prst="rect">
+            <a:avLst/>
+          </a:prstGeom>
+          <a:noFill/>
+          <a:extLst>
+            <a:ext uri="{909E8E84-426E-40DD-AFC4-6F175D3DCCD1}">
+              <a14:hiddenFill xmlns:a14="http://schemas.microsoft.com/office/drawing/2010/main">
+                <a:solidFill>
+                  <a:srgbClr val="FFFFFF"/>
+                </a:solidFill>
+              </a14:hiddenFill>
+            </a:ext>
+          </a:extLst>
+        </p:spPr>
+      </p:pic>
+      <p:pic>
+        <p:nvPicPr>
+          <p:cNvPr id="1034" name="Picture 10" descr="양식 응답 차트. 질문 제목: 저희가 만든 url 정리 분석사이트가 정식으로 런칭된다면 재사용할 의사가 있나요?. 응답 수: 응답 52개.">
+            <a:extLst>
+              <a:ext uri="{FF2B5EF4-FFF2-40B4-BE49-F238E27FC236}">
+                <a16:creationId xmlns:a16="http://schemas.microsoft.com/office/drawing/2014/main" id="{3FE00651-DBD5-D04D-BF37-32C96895AFE7}"/>
+              </a:ext>
+            </a:extLst>
+          </p:cNvPr>
+          <p:cNvPicPr>
+            <a:picLocks noChangeAspect="1" noChangeArrowheads="1"/>
+          </p:cNvPicPr>
+          <p:nvPr/>
+        </p:nvPicPr>
+        <p:blipFill>
+          <a:blip r:embed="rId5">
+            <a:extLst>
+              <a:ext uri="{28A0092B-C50C-407E-A947-70E740481C1C}">
+                <a14:useLocalDpi xmlns:a14="http://schemas.microsoft.com/office/drawing/2010/main" val="0"/>
+              </a:ext>
+            </a:extLst>
+          </a:blip>
+          <a:srcRect/>
+          <a:stretch>
+            <a:fillRect/>
+          </a:stretch>
+        </p:blipFill>
+        <p:spPr bwMode="auto">
+          <a:xfrm>
+            <a:off x="0" y="5788169"/>
+            <a:ext cx="6216800" cy="4467657"/>
+          </a:xfrm>
+          <a:prstGeom prst="rect">
+            <a:avLst/>
+          </a:prstGeom>
+          <a:noFill/>
+          <a:extLst>
+            <a:ext uri="{909E8E84-426E-40DD-AFC4-6F175D3DCCD1}">
+              <a14:hiddenFill xmlns:a14="http://schemas.microsoft.com/office/drawing/2010/main">
+                <a:solidFill>
+                  <a:srgbClr val="FFFFFF"/>
+                </a:solidFill>
+              </a14:hiddenFill>
+            </a:ext>
+          </a:extLst>
+        </p:spPr>
+      </p:pic>
+      <p:pic>
+        <p:nvPicPr>
+          <p:cNvPr id="1032" name="Picture 8" descr="양식 응답 차트. 질문 제목: 웹사이트에 있는 즐겨찾기 기능 이외의 url를 저장할 공간이 필요한가요?. 응답 수: 응답 52개.">
+            <a:extLst>
+              <a:ext uri="{FF2B5EF4-FFF2-40B4-BE49-F238E27FC236}">
+                <a16:creationId xmlns:a16="http://schemas.microsoft.com/office/drawing/2014/main" id="{F26F2512-39A2-EB4F-80BC-B78065BA9BF5}"/>
+              </a:ext>
+            </a:extLst>
+          </p:cNvPr>
+          <p:cNvPicPr>
+            <a:picLocks noChangeAspect="1" noChangeArrowheads="1"/>
+          </p:cNvPicPr>
+          <p:nvPr/>
+        </p:nvPicPr>
+        <p:blipFill>
+          <a:blip r:embed="rId6">
+            <a:extLst>
+              <a:ext uri="{28A0092B-C50C-407E-A947-70E740481C1C}">
+                <a14:useLocalDpi xmlns:a14="http://schemas.microsoft.com/office/drawing/2010/main" val="0"/>
+              </a:ext>
+            </a:extLst>
+          </a:blip>
+          <a:srcRect/>
+          <a:stretch>
+            <a:fillRect/>
+          </a:stretch>
+        </p:blipFill>
+        <p:spPr bwMode="auto">
+          <a:xfrm>
+            <a:off x="6783642" y="1757046"/>
+            <a:ext cx="6781800" cy="4467657"/>
+          </a:xfrm>
+          <a:prstGeom prst="rect">
+            <a:avLst/>
+          </a:prstGeom>
+          <a:noFill/>
+          <a:extLst>
+            <a:ext uri="{909E8E84-426E-40DD-AFC4-6F175D3DCCD1}">
+              <a14:hiddenFill xmlns:a14="http://schemas.microsoft.com/office/drawing/2010/main">
+                <a:solidFill>
+                  <a:srgbClr val="FFFFFF"/>
+                </a:solidFill>
+              </a14:hiddenFill>
+            </a:ext>
+          </a:extLst>
+        </p:spPr>
+      </p:pic>
+      <p:pic>
+        <p:nvPicPr>
+          <p:cNvPr id="6" name="그림 5" descr="테이블이(가) 표시된 사진&#10;&#10;자동 생성된 설명">
+            <a:extLst>
+              <a:ext uri="{FF2B5EF4-FFF2-40B4-BE49-F238E27FC236}">
+                <a16:creationId xmlns:a16="http://schemas.microsoft.com/office/drawing/2014/main" id="{1B42ED0F-3743-CB44-9C4E-44859F274DAC}"/>
+              </a:ext>
+            </a:extLst>
+          </p:cNvPr>
+          <p:cNvPicPr>
+            <a:picLocks noChangeAspect="1"/>
+          </p:cNvPicPr>
+          <p:nvPr/>
+        </p:nvPicPr>
+        <p:blipFill>
+          <a:blip r:embed="rId7">
+            <a:extLst>
+              <a:ext uri="{28A0092B-C50C-407E-A947-70E740481C1C}">
+                <a14:useLocalDpi xmlns:a14="http://schemas.microsoft.com/office/drawing/2010/main" val="0"/>
+              </a:ext>
+            </a:extLst>
+          </a:blip>
+          <a:stretch>
+            <a:fillRect/>
+          </a:stretch>
+        </p:blipFill>
+        <p:spPr>
+          <a:xfrm>
+            <a:off x="11506200" y="4214024"/>
+            <a:ext cx="5867400" cy="6041802"/>
+          </a:xfrm>
+          <a:prstGeom prst="rect">
+            <a:avLst/>
+          </a:prstGeom>
+        </p:spPr>
+      </p:pic>
     </p:spTree>
+    <p:extLst>
+      <p:ext uri="{BB962C8B-B14F-4D97-AF65-F5344CB8AC3E}">
+        <p14:creationId xmlns:p14="http://schemas.microsoft.com/office/powerpoint/2010/main" val="3236375652"/>
+      </p:ext>
+    </p:extLst>
   </p:cSld>
   <p:clrMapOvr>
     <a:masterClrMapping/>
@@ -6981,6 +7488,151 @@
               </a:rPr>
               <a:t>웹 구성</a:t>
             </a:r>
+          </a:p>
+        </p:txBody>
+      </p:sp>
+    </p:spTree>
+  </p:cSld>
+  <p:clrMapOvr>
+    <a:masterClrMapping/>
+  </p:clrMapOvr>
+</p:sld>
+</file>
+
+<file path=ppt/slides/slide20.xml><?xml version="1.0" encoding="utf-8"?>
+<p:sld xmlns:a="http://schemas.openxmlformats.org/drawingml/2006/main" xmlns:r="http://schemas.openxmlformats.org/officeDocument/2006/relationships" xmlns:p="http://schemas.openxmlformats.org/presentationml/2006/main">
+  <p:cSld name="Slide 14">
+    <p:bg>
+      <p:bgPr>
+        <a:solidFill>
+          <a:srgbClr val="595959"/>
+        </a:solidFill>
+        <a:effectLst/>
+      </p:bgPr>
+    </p:bg>
+    <p:spTree>
+      <p:nvGrpSpPr>
+        <p:cNvPr id="1" name=""/>
+        <p:cNvGrpSpPr/>
+        <p:nvPr/>
+      </p:nvGrpSpPr>
+      <p:grpSpPr>
+        <a:xfrm>
+          <a:off x="0" y="0"/>
+          <a:ext cx="0" cy="0"/>
+          <a:chOff x="0" y="0"/>
+          <a:chExt cx="0" cy="0"/>
+        </a:xfrm>
+      </p:grpSpPr>
+      <p:pic>
+        <p:nvPicPr>
+          <p:cNvPr id="2" name="Object 1"/>
+          <p:cNvPicPr>
+            <a:picLocks noChangeAspect="1"/>
+          </p:cNvPicPr>
+          <p:nvPr/>
+        </p:nvPicPr>
+        <p:blipFill>
+          <a:blip r:embed="rId2" cstate="print"/>
+          <a:stretch>
+            <a:fillRect/>
+          </a:stretch>
+        </p:blipFill>
+        <p:spPr>
+          <a:xfrm>
+            <a:off x="6838101" y="2841760"/>
+            <a:ext cx="10948674" cy="5549169"/>
+          </a:xfrm>
+          <a:prstGeom prst="rect">
+            <a:avLst/>
+          </a:prstGeom>
+        </p:spPr>
+      </p:pic>
+      <p:grpSp>
+        <p:nvGrpSpPr>
+          <p:cNvPr id="1001" name="그룹 1001"/>
+          <p:cNvGrpSpPr/>
+          <p:nvPr/>
+        </p:nvGrpSpPr>
+        <p:grpSpPr>
+          <a:xfrm>
+            <a:off x="-2587976" y="5093658"/>
+            <a:ext cx="8000000" cy="137143"/>
+            <a:chOff x="-2587976" y="5093658"/>
+            <a:chExt cx="8000000" cy="137143"/>
+          </a:xfrm>
+        </p:grpSpPr>
+        <p:pic>
+          <p:nvPicPr>
+            <p:cNvPr id="6" name="Object 5"/>
+            <p:cNvPicPr>
+              <a:picLocks noChangeAspect="1"/>
+            </p:cNvPicPr>
+            <p:nvPr/>
+          </p:nvPicPr>
+          <p:blipFill>
+            <a:blip r:embed="rId3" cstate="print"/>
+            <a:stretch>
+              <a:fillRect/>
+            </a:stretch>
+          </p:blipFill>
+          <p:spPr>
+            <a:xfrm rot="-16200000">
+              <a:off x="-2587976" y="5093658"/>
+              <a:ext cx="8000000" cy="137143"/>
+            </a:xfrm>
+            <a:prstGeom prst="rect">
+              <a:avLst/>
+            </a:prstGeom>
+          </p:spPr>
+        </p:pic>
+      </p:grpSp>
+      <p:sp>
+        <p:nvSpPr>
+          <p:cNvPr id="5" name="TextBox 4"/>
+          <p:cNvSpPr txBox="1"/>
+          <p:nvPr/>
+        </p:nvSpPr>
+        <p:spPr>
+          <a:xfrm>
+            <a:off x="14433975" y="7734300"/>
+            <a:ext cx="3352800" cy="769441"/>
+          </a:xfrm>
+          <a:prstGeom prst="rect">
+            <a:avLst/>
+          </a:prstGeom>
+          <a:noFill/>
+        </p:spPr>
+        <p:txBody>
+          <a:bodyPr wrap="square" rtlCol="0">
+            <a:spAutoFit/>
+          </a:bodyPr>
+          <a:lstStyle/>
+          <a:p>
+            <a:r>
+              <a:rPr lang="ko-KR" altLang="en-US" sz="4400" b="1" dirty="0">
+                <a:solidFill>
+                  <a:schemeClr val="bg1"/>
+                </a:solidFill>
+                <a:latin typeface="+mj-lt"/>
+              </a:rPr>
+              <a:t>팀 </a:t>
+            </a:r>
+            <a:r>
+              <a:rPr lang="en-US" altLang="ko-KR" sz="4400" b="1" dirty="0" err="1">
+                <a:solidFill>
+                  <a:schemeClr val="bg1"/>
+                </a:solidFill>
+                <a:latin typeface="+mj-lt"/>
+              </a:rPr>
+              <a:t>singapore</a:t>
+            </a:r>
+            <a:endParaRPr lang="ko-KR" altLang="en-US" sz="4400" b="1" dirty="0">
+              <a:solidFill>
+                <a:schemeClr val="bg1"/>
+              </a:solidFill>
+              <a:latin typeface="+mj-lt"/>
+            </a:endParaRPr>
           </a:p>
         </p:txBody>
       </p:sp>
@@ -8542,7 +9194,7 @@
             <p:nvPr/>
           </p:nvPicPr>
           <p:blipFill>
-            <a:blip r:embed="rId2" cstate="print"/>
+            <a:blip r:embed="rId3" cstate="print"/>
             <a:stretch>
               <a:fillRect/>
             </a:stretch>
@@ -8581,7 +9233,7 @@
             <p:nvPr/>
           </p:nvPicPr>
           <p:blipFill>
-            <a:blip r:embed="rId3" cstate="print"/>
+            <a:blip r:embed="rId4" cstate="print"/>
             <a:stretch>
               <a:fillRect/>
             </a:stretch>
@@ -8638,40 +9290,16 @@
           </a:p>
         </p:txBody>
       </p:sp>
-      <p:pic>
-        <p:nvPicPr>
-          <p:cNvPr id="4" name="그림 3"/>
-          <p:cNvPicPr>
-            <a:picLocks noChangeAspect="1"/>
-          </p:cNvPicPr>
-          <p:nvPr/>
-        </p:nvPicPr>
-        <p:blipFill>
-          <a:blip r:embed="rId4"/>
-          <a:stretch>
-            <a:fillRect/>
-          </a:stretch>
-        </p:blipFill>
-        <p:spPr>
-          <a:xfrm>
-            <a:off x="6477000" y="2827044"/>
-            <a:ext cx="7924800" cy="6507456"/>
-          </a:xfrm>
-          <a:prstGeom prst="rect">
-            <a:avLst/>
-          </a:prstGeom>
-        </p:spPr>
-      </p:pic>
-      <p:sp>
-        <p:nvSpPr>
-          <p:cNvPr id="8" name="TextBox 7"/>
+      <p:sp>
+        <p:nvSpPr>
+          <p:cNvPr id="6" name="TextBox 5"/>
           <p:cNvSpPr txBox="1"/>
           <p:nvPr/>
         </p:nvSpPr>
         <p:spPr>
           <a:xfrm>
-            <a:off x="609600" y="2350241"/>
-            <a:ext cx="3886200" cy="1077218"/>
+            <a:off x="3733800" y="4957108"/>
+            <a:ext cx="11001375" cy="1938992"/>
           </a:xfrm>
           <a:prstGeom prst="rect">
             <a:avLst/>
@@ -8686,7 +9314,7 @@
           <a:p>
             <a:pPr algn="ctr"/>
             <a:r>
-              <a:rPr lang="en-US" altLang="ko-KR" sz="3200" dirty="0" err="1">
+              <a:rPr lang="ko-KR" altLang="en-US" sz="4000" dirty="0">
                 <a:solidFill>
                   <a:schemeClr val="tx1">
                     <a:lumMod val="65000"/>
@@ -8694,10 +9322,10 @@
                   </a:schemeClr>
                 </a:solidFill>
               </a:rPr>
-              <a:t>okt</a:t>
-            </a:r>
-            <a:r>
-              <a:rPr lang="ko-KR" altLang="en-US" sz="3200" dirty="0">
+              <a:t>텍스트에서 서로 다른 본문정리 기준으로 데이터 전처리 진행 후  분석한 </a:t>
+            </a:r>
+            <a:r>
+              <a:rPr lang="en-US" altLang="ko-KR" sz="4000" dirty="0">
                 <a:solidFill>
                   <a:schemeClr val="tx1">
                     <a:lumMod val="65000"/>
@@ -8705,9 +9333,53 @@
                   </a:schemeClr>
                 </a:solidFill>
               </a:rPr>
-              <a:t>를 이용한 </a:t>
-            </a:r>
-            <a:endParaRPr lang="en-US" altLang="ko-KR" sz="3200" dirty="0">
+              <a:t>3</a:t>
+            </a:r>
+            <a:r>
+              <a:rPr lang="ko-KR" altLang="en-US" sz="4000" dirty="0">
+                <a:solidFill>
+                  <a:schemeClr val="tx1">
+                    <a:lumMod val="65000"/>
+                    <a:lumOff val="35000"/>
+                  </a:schemeClr>
+                </a:solidFill>
+              </a:rPr>
+              <a:t>개의 결과를 비교 </a:t>
+            </a:r>
+            <a:r>
+              <a:rPr lang="en-US" altLang="ko-KR" sz="4000" dirty="0">
+                <a:solidFill>
+                  <a:schemeClr val="tx1">
+                    <a:lumMod val="65000"/>
+                    <a:lumOff val="35000"/>
+                  </a:schemeClr>
+                </a:solidFill>
+              </a:rPr>
+              <a:t> (morphs, nouns, </a:t>
+            </a:r>
+            <a:r>
+              <a:rPr lang="ko-KR" altLang="en-US" sz="4000" dirty="0">
+                <a:solidFill>
+                  <a:schemeClr val="tx1">
+                    <a:lumMod val="65000"/>
+                    <a:lumOff val="35000"/>
+                  </a:schemeClr>
+                </a:solidFill>
+              </a:rPr>
+              <a:t> </a:t>
+            </a:r>
+            <a:r>
+              <a:rPr lang="en-US" altLang="ko-KR" sz="4000" dirty="0">
+                <a:solidFill>
+                  <a:schemeClr val="tx1">
+                    <a:lumMod val="65000"/>
+                    <a:lumOff val="35000"/>
+                  </a:schemeClr>
+                </a:solidFill>
+              </a:rPr>
+              <a:t>pos)</a:t>
+            </a:r>
+            <a:endParaRPr lang="ko-KR" altLang="en-US" sz="4000" dirty="0">
               <a:solidFill>
                 <a:schemeClr val="tx1">
                   <a:lumMod val="65000"/>
@@ -8716,26 +9388,12 @@
               </a:solidFill>
             </a:endParaRPr>
           </a:p>
-          <a:p>
-            <a:pPr algn="ctr"/>
-            <a:r>
-              <a:rPr lang="ko-KR" altLang="en-US" sz="3200" dirty="0">
-                <a:solidFill>
-                  <a:schemeClr val="tx1">
-                    <a:lumMod val="65000"/>
-                    <a:lumOff val="35000"/>
-                  </a:schemeClr>
-                </a:solidFill>
-              </a:rPr>
-              <a:t>품사 별 단어 추출 </a:t>
-            </a:r>
-          </a:p>
         </p:txBody>
       </p:sp>
     </p:spTree>
     <p:extLst>
       <p:ext uri="{BB962C8B-B14F-4D97-AF65-F5344CB8AC3E}">
-        <p14:creationId xmlns:p14="http://schemas.microsoft.com/office/powerpoint/2010/main" val="2005928293"/>
+        <p14:creationId xmlns:p14="http://schemas.microsoft.com/office/powerpoint/2010/main" val="923156878"/>
       </p:ext>
     </p:extLst>
   </p:cSld>
@@ -8883,7 +9541,7 @@
       </p:sp>
       <p:pic>
         <p:nvPicPr>
-          <p:cNvPr id="8" name="그림 7"/>
+          <p:cNvPr id="4" name="그림 3"/>
           <p:cNvPicPr>
             <a:picLocks noChangeAspect="1"/>
           </p:cNvPicPr>
@@ -8897,151 +9555,29 @@
         </p:blipFill>
         <p:spPr>
           <a:xfrm>
-            <a:off x="3298876" y="5600700"/>
-            <a:ext cx="11690247" cy="3857625"/>
+            <a:off x="6477000" y="2827044"/>
+            <a:ext cx="7924800" cy="6507456"/>
           </a:xfrm>
           <a:prstGeom prst="rect">
             <a:avLst/>
           </a:prstGeom>
         </p:spPr>
       </p:pic>
-      <p:pic>
-        <p:nvPicPr>
-          <p:cNvPr id="2050" name="Picture 2" descr="C:\Users\관리자\Desktop\화면 캡처 2021-12-12 000744.png"/>
-          <p:cNvPicPr>
-            <a:picLocks noChangeAspect="1" noChangeArrowheads="1"/>
-          </p:cNvPicPr>
-          <p:nvPr/>
-        </p:nvPicPr>
-        <p:blipFill>
-          <a:blip r:embed="rId5">
-            <a:extLst>
-              <a:ext uri="{28A0092B-C50C-407E-A947-70E740481C1C}">
-                <a14:useLocalDpi xmlns:a14="http://schemas.microsoft.com/office/drawing/2010/main" val="0"/>
-              </a:ext>
-            </a:extLst>
-          </a:blip>
-          <a:srcRect/>
-          <a:stretch>
-            <a:fillRect/>
-          </a:stretch>
-        </p:blipFill>
-        <p:spPr bwMode="auto">
-          <a:xfrm>
-            <a:off x="5403017" y="2247900"/>
-            <a:ext cx="6026983" cy="1447800"/>
+      <p:sp>
+        <p:nvSpPr>
+          <p:cNvPr id="8" name="TextBox 7"/>
+          <p:cNvSpPr txBox="1"/>
+          <p:nvPr/>
+        </p:nvSpPr>
+        <p:spPr>
+          <a:xfrm>
+            <a:off x="609600" y="2350241"/>
+            <a:ext cx="3886200" cy="1077218"/>
           </a:xfrm>
           <a:prstGeom prst="rect">
             <a:avLst/>
           </a:prstGeom>
           <a:noFill/>
-          <a:extLst>
-            <a:ext uri="{909E8E84-426E-40DD-AFC4-6F175D3DCCD1}">
-              <a14:hiddenFill xmlns:a14="http://schemas.microsoft.com/office/drawing/2010/main">
-                <a:solidFill>
-                  <a:srgbClr val="FFFFFF"/>
-                </a:solidFill>
-              </a14:hiddenFill>
-            </a:ext>
-          </a:extLst>
-        </p:spPr>
-      </p:pic>
-      <p:pic>
-        <p:nvPicPr>
-          <p:cNvPr id="2051" name="Picture 3" descr="C:\Users\관리자\Desktop\화면 캡처 2021-12-12 000804.png"/>
-          <p:cNvPicPr>
-            <a:picLocks noChangeAspect="1" noChangeArrowheads="1"/>
-          </p:cNvPicPr>
-          <p:nvPr/>
-        </p:nvPicPr>
-        <p:blipFill>
-          <a:blip r:embed="rId6">
-            <a:extLst>
-              <a:ext uri="{28A0092B-C50C-407E-A947-70E740481C1C}">
-                <a14:useLocalDpi xmlns:a14="http://schemas.microsoft.com/office/drawing/2010/main" val="0"/>
-              </a:ext>
-            </a:extLst>
-          </a:blip>
-          <a:srcRect/>
-          <a:stretch>
-            <a:fillRect/>
-          </a:stretch>
-        </p:blipFill>
-        <p:spPr bwMode="auto">
-          <a:xfrm>
-            <a:off x="5403017" y="3543300"/>
-            <a:ext cx="6026983" cy="641350"/>
-          </a:xfrm>
-          <a:prstGeom prst="rect">
-            <a:avLst/>
-          </a:prstGeom>
-          <a:noFill/>
-          <a:extLst>
-            <a:ext uri="{909E8E84-426E-40DD-AFC4-6F175D3DCCD1}">
-              <a14:hiddenFill xmlns:a14="http://schemas.microsoft.com/office/drawing/2010/main">
-                <a:solidFill>
-                  <a:srgbClr val="FFFFFF"/>
-                </a:solidFill>
-              </a14:hiddenFill>
-            </a:ext>
-          </a:extLst>
-        </p:spPr>
-      </p:pic>
-      <p:sp>
-        <p:nvSpPr>
-          <p:cNvPr id="4" name="아래쪽 화살표 3"/>
-          <p:cNvSpPr/>
-          <p:nvPr/>
-        </p:nvSpPr>
-        <p:spPr>
-          <a:xfrm>
-            <a:off x="8187908" y="4610100"/>
-            <a:ext cx="457200" cy="609600"/>
-          </a:xfrm>
-          <a:prstGeom prst="downArrow">
-            <a:avLst/>
-          </a:prstGeom>
-        </p:spPr>
-        <p:style>
-          <a:lnRef idx="2">
-            <a:schemeClr val="accent1">
-              <a:shade val="50000"/>
-            </a:schemeClr>
-          </a:lnRef>
-          <a:fillRef idx="1">
-            <a:schemeClr val="accent1"/>
-          </a:fillRef>
-          <a:effectRef idx="0">
-            <a:schemeClr val="accent1"/>
-          </a:effectRef>
-          <a:fontRef idx="minor">
-            <a:schemeClr val="lt1"/>
-          </a:fontRef>
-        </p:style>
-        <p:txBody>
-          <a:bodyPr rtlCol="0" anchor="ctr"/>
-          <a:lstStyle/>
-          <a:p>
-            <a:pPr algn="ctr"/>
-            <a:endParaRPr lang="ko-KR" altLang="en-US"/>
-          </a:p>
-        </p:txBody>
-      </p:sp>
-      <p:sp>
-        <p:nvSpPr>
-          <p:cNvPr id="11" name="TextBox 10"/>
-          <p:cNvSpPr txBox="1"/>
-          <p:nvPr/>
-        </p:nvSpPr>
-        <p:spPr>
-          <a:xfrm>
-            <a:off x="609600" y="2350241"/>
-            <a:ext cx="3886200" cy="584775"/>
-          </a:xfrm>
-          <a:prstGeom prst="rect">
-            <a:avLst/>
-          </a:prstGeom>
-          <a:noFill/>
         </p:spPr>
         <p:txBody>
           <a:bodyPr wrap="square" rtlCol="0">
@@ -9051,7 +9587,7 @@
           <a:p>
             <a:pPr algn="ctr"/>
             <a:r>
-              <a:rPr lang="ko-KR" altLang="en-US" sz="3200" dirty="0">
+              <a:rPr lang="en-US" altLang="ko-KR" sz="3200" dirty="0" err="1">
                 <a:solidFill>
                   <a:schemeClr val="tx1">
                     <a:lumMod val="65000"/>
@@ -9059,7 +9595,40 @@
                   </a:schemeClr>
                 </a:solidFill>
               </a:rPr>
-              <a:t>숫자 카테고리 추가</a:t>
+              <a:t>okt</a:t>
+            </a:r>
+            <a:r>
+              <a:rPr lang="ko-KR" altLang="en-US" sz="3200" dirty="0">
+                <a:solidFill>
+                  <a:schemeClr val="tx1">
+                    <a:lumMod val="65000"/>
+                    <a:lumOff val="35000"/>
+                  </a:schemeClr>
+                </a:solidFill>
+              </a:rPr>
+              <a:t>를 이용한 </a:t>
+            </a:r>
+            <a:endParaRPr lang="en-US" altLang="ko-KR" sz="3200" dirty="0">
+              <a:solidFill>
+                <a:schemeClr val="tx1">
+                  <a:lumMod val="65000"/>
+                  <a:lumOff val="35000"/>
+                </a:schemeClr>
+              </a:solidFill>
+            </a:endParaRPr>
+          </a:p>
+          <a:p>
+            <a:pPr algn="ctr"/>
+            <a:r>
+              <a:rPr lang="ko-KR" altLang="en-US" sz="3200" dirty="0">
+                <a:solidFill>
+                  <a:schemeClr val="tx1">
+                    <a:lumMod val="65000"/>
+                    <a:lumOff val="35000"/>
+                  </a:schemeClr>
+                </a:solidFill>
+              </a:rPr>
+              <a:t>품사 별 단어 추출 </a:t>
             </a:r>
           </a:p>
         </p:txBody>
@@ -9067,7 +9636,7 @@
     </p:spTree>
     <p:extLst>
       <p:ext uri="{BB962C8B-B14F-4D97-AF65-F5344CB8AC3E}">
-        <p14:creationId xmlns:p14="http://schemas.microsoft.com/office/powerpoint/2010/main" val="4086431174"/>
+        <p14:creationId xmlns:p14="http://schemas.microsoft.com/office/powerpoint/2010/main" val="2005928293"/>
       </p:ext>
     </p:extLst>
   </p:cSld>
